--- a/G369 GA.pptx
+++ b/G369 GA.pptx
@@ -8,18 +8,19 @@
     <p:sldId id="256" r:id="rId2"/>
     <p:sldId id="257" r:id="rId3"/>
     <p:sldId id="258" r:id="rId4"/>
-    <p:sldId id="264" r:id="rId5"/>
-    <p:sldId id="259" r:id="rId6"/>
+    <p:sldId id="259" r:id="rId5"/>
+    <p:sldId id="271" r:id="rId6"/>
     <p:sldId id="267" r:id="rId7"/>
-    <p:sldId id="268" r:id="rId8"/>
-    <p:sldId id="269" r:id="rId9"/>
-    <p:sldId id="260" r:id="rId10"/>
-    <p:sldId id="261" r:id="rId11"/>
-    <p:sldId id="265" r:id="rId12"/>
-    <p:sldId id="266" r:id="rId13"/>
-    <p:sldId id="270" r:id="rId14"/>
-    <p:sldId id="262" r:id="rId15"/>
-    <p:sldId id="263" r:id="rId16"/>
+    <p:sldId id="269" r:id="rId8"/>
+    <p:sldId id="272" r:id="rId9"/>
+    <p:sldId id="273" r:id="rId10"/>
+    <p:sldId id="260" r:id="rId11"/>
+    <p:sldId id="261" r:id="rId12"/>
+    <p:sldId id="265" r:id="rId13"/>
+    <p:sldId id="266" r:id="rId14"/>
+    <p:sldId id="270" r:id="rId15"/>
+    <p:sldId id="262" r:id="rId16"/>
+    <p:sldId id="263" r:id="rId17"/>
   </p:sldIdLst>
   <p:sldSz cx="12192000" cy="6858000"/>
   <p:notesSz cx="6858000" cy="9144000"/>
@@ -118,6 +119,11 @@
       </a:defRPr>
     </a:lvl9pPr>
   </p:defaultTextStyle>
+  <p:extLst>
+    <p:ext uri="{EFAFB233-063F-42B5-8137-9DF3F51BA10A}">
+      <p15:sldGuideLst xmlns:p15="http://schemas.microsoft.com/office/powerpoint/2012/main"/>
+    </p:ext>
+  </p:extLst>
 </p:presentation>
 </file>
 
@@ -270,7 +276,7 @@
           <a:p>
             <a:fld id="{A9CF6C4F-AB45-4E43-9AC2-2D5C47C665E2}" type="datetimeFigureOut">
               <a:rPr lang="en-SG" smtClean="0"/>
-              <a:t>2/6/2023</a:t>
+              <a:t>14/8/2023</a:t>
             </a:fld>
             <a:endParaRPr lang="en-SG"/>
           </a:p>
@@ -470,7 +476,7 @@
           <a:p>
             <a:fld id="{A9CF6C4F-AB45-4E43-9AC2-2D5C47C665E2}" type="datetimeFigureOut">
               <a:rPr lang="en-SG" smtClean="0"/>
-              <a:t>2/6/2023</a:t>
+              <a:t>14/8/2023</a:t>
             </a:fld>
             <a:endParaRPr lang="en-SG"/>
           </a:p>
@@ -680,7 +686,7 @@
           <a:p>
             <a:fld id="{A9CF6C4F-AB45-4E43-9AC2-2D5C47C665E2}" type="datetimeFigureOut">
               <a:rPr lang="en-SG" smtClean="0"/>
-              <a:t>2/6/2023</a:t>
+              <a:t>14/8/2023</a:t>
             </a:fld>
             <a:endParaRPr lang="en-SG"/>
           </a:p>
@@ -880,7 +886,7 @@
           <a:p>
             <a:fld id="{A9CF6C4F-AB45-4E43-9AC2-2D5C47C665E2}" type="datetimeFigureOut">
               <a:rPr lang="en-SG" smtClean="0"/>
-              <a:t>2/6/2023</a:t>
+              <a:t>14/8/2023</a:t>
             </a:fld>
             <a:endParaRPr lang="en-SG"/>
           </a:p>
@@ -1156,7 +1162,7 @@
           <a:p>
             <a:fld id="{A9CF6C4F-AB45-4E43-9AC2-2D5C47C665E2}" type="datetimeFigureOut">
               <a:rPr lang="en-SG" smtClean="0"/>
-              <a:t>2/6/2023</a:t>
+              <a:t>14/8/2023</a:t>
             </a:fld>
             <a:endParaRPr lang="en-SG"/>
           </a:p>
@@ -1424,7 +1430,7 @@
           <a:p>
             <a:fld id="{A9CF6C4F-AB45-4E43-9AC2-2D5C47C665E2}" type="datetimeFigureOut">
               <a:rPr lang="en-SG" smtClean="0"/>
-              <a:t>2/6/2023</a:t>
+              <a:t>14/8/2023</a:t>
             </a:fld>
             <a:endParaRPr lang="en-SG"/>
           </a:p>
@@ -1839,7 +1845,7 @@
           <a:p>
             <a:fld id="{A9CF6C4F-AB45-4E43-9AC2-2D5C47C665E2}" type="datetimeFigureOut">
               <a:rPr lang="en-SG" smtClean="0"/>
-              <a:t>2/6/2023</a:t>
+              <a:t>14/8/2023</a:t>
             </a:fld>
             <a:endParaRPr lang="en-SG"/>
           </a:p>
@@ -1981,7 +1987,7 @@
           <a:p>
             <a:fld id="{A9CF6C4F-AB45-4E43-9AC2-2D5C47C665E2}" type="datetimeFigureOut">
               <a:rPr lang="en-SG" smtClean="0"/>
-              <a:t>2/6/2023</a:t>
+              <a:t>14/8/2023</a:t>
             </a:fld>
             <a:endParaRPr lang="en-SG"/>
           </a:p>
@@ -2094,7 +2100,7 @@
           <a:p>
             <a:fld id="{A9CF6C4F-AB45-4E43-9AC2-2D5C47C665E2}" type="datetimeFigureOut">
               <a:rPr lang="en-SG" smtClean="0"/>
-              <a:t>2/6/2023</a:t>
+              <a:t>14/8/2023</a:t>
             </a:fld>
             <a:endParaRPr lang="en-SG"/>
           </a:p>
@@ -2407,7 +2413,7 @@
           <a:p>
             <a:fld id="{A9CF6C4F-AB45-4E43-9AC2-2D5C47C665E2}" type="datetimeFigureOut">
               <a:rPr lang="en-SG" smtClean="0"/>
-              <a:t>2/6/2023</a:t>
+              <a:t>14/8/2023</a:t>
             </a:fld>
             <a:endParaRPr lang="en-SG"/>
           </a:p>
@@ -2696,7 +2702,7 @@
           <a:p>
             <a:fld id="{A9CF6C4F-AB45-4E43-9AC2-2D5C47C665E2}" type="datetimeFigureOut">
               <a:rPr lang="en-SG" smtClean="0"/>
-              <a:t>2/6/2023</a:t>
+              <a:t>14/8/2023</a:t>
             </a:fld>
             <a:endParaRPr lang="en-SG"/>
           </a:p>
@@ -2939,7 +2945,7 @@
           <a:p>
             <a:fld id="{A9CF6C4F-AB45-4E43-9AC2-2D5C47C665E2}" type="datetimeFigureOut">
               <a:rPr lang="en-SG" smtClean="0"/>
-              <a:t>2/6/2023</a:t>
+              <a:t>14/8/2023</a:t>
             </a:fld>
             <a:endParaRPr lang="en-SG"/>
           </a:p>
@@ -3427,7 +3433,7 @@
           <p:cNvPr id="2" name="Title 1">
             <a:extLst>
               <a:ext uri="{FF2B5EF4-FFF2-40B4-BE49-F238E27FC236}">
-                <a16:creationId xmlns:a16="http://schemas.microsoft.com/office/drawing/2014/main" id="{261F3BEF-95A8-4BE3-A3FD-C45B22B9CC67}"/>
+                <a16:creationId xmlns:a16="http://schemas.microsoft.com/office/drawing/2014/main" id="{7EA39F1C-986E-035D-4BD2-F06C4F941797}"/>
               </a:ext>
             </a:extLst>
           </p:cNvPr>
@@ -3445,7 +3451,7 @@
           <a:p>
             <a:r>
               <a:rPr lang="en-SG" b="1" dirty="0"/>
-              <a:t>                            </a:t>
+              <a:t>                           </a:t>
             </a:r>
             <a:r>
               <a:rPr lang="en-SG" b="1" u="sng" dirty="0"/>
@@ -3455,70 +3461,10 @@
           </a:p>
         </p:txBody>
       </p:sp>
-      <p:pic>
-        <p:nvPicPr>
-          <p:cNvPr id="11" name="Picture 10">
-            <a:extLst>
-              <a:ext uri="{FF2B5EF4-FFF2-40B4-BE49-F238E27FC236}">
-                <a16:creationId xmlns:a16="http://schemas.microsoft.com/office/drawing/2014/main" id="{BD75DC3F-19F4-4FAB-F09D-B536DB439A32}"/>
-              </a:ext>
-            </a:extLst>
-          </p:cNvPr>
-          <p:cNvPicPr>
-            <a:picLocks noChangeAspect="1"/>
-          </p:cNvPicPr>
-          <p:nvPr/>
-        </p:nvPicPr>
-        <p:blipFill>
-          <a:blip r:embed="rId2"/>
-          <a:stretch>
-            <a:fillRect/>
-          </a:stretch>
-        </p:blipFill>
-        <p:spPr>
-          <a:xfrm>
-            <a:off x="275923" y="1945866"/>
-            <a:ext cx="5746282" cy="3724610"/>
-          </a:xfrm>
-          <a:prstGeom prst="rect">
-            <a:avLst/>
-          </a:prstGeom>
-        </p:spPr>
-      </p:pic>
-      <p:pic>
-        <p:nvPicPr>
-          <p:cNvPr id="13" name="Picture 12">
-            <a:extLst>
-              <a:ext uri="{FF2B5EF4-FFF2-40B4-BE49-F238E27FC236}">
-                <a16:creationId xmlns:a16="http://schemas.microsoft.com/office/drawing/2014/main" id="{01676561-52E2-832E-FFE2-2E5B80DE874F}"/>
-              </a:ext>
-            </a:extLst>
-          </p:cNvPr>
-          <p:cNvPicPr>
-            <a:picLocks noChangeAspect="1"/>
-          </p:cNvPicPr>
-          <p:nvPr/>
-        </p:nvPicPr>
-        <p:blipFill>
-          <a:blip r:embed="rId3"/>
-          <a:stretch>
-            <a:fillRect/>
-          </a:stretch>
-        </p:blipFill>
-        <p:spPr>
-          <a:xfrm>
-            <a:off x="6022205" y="1945866"/>
-            <a:ext cx="5669281" cy="3755098"/>
-          </a:xfrm>
-          <a:prstGeom prst="rect">
-            <a:avLst/>
-          </a:prstGeom>
-        </p:spPr>
-      </p:pic>
     </p:spTree>
     <p:extLst>
       <p:ext uri="{BB962C8B-B14F-4D97-AF65-F5344CB8AC3E}">
-        <p14:creationId xmlns:p14="http://schemas.microsoft.com/office/powerpoint/2010/main" val="1096317611"/>
+        <p14:creationId xmlns:p14="http://schemas.microsoft.com/office/powerpoint/2010/main" val="3508153509"/>
       </p:ext>
     </p:extLst>
   </p:cSld>
@@ -3550,7 +3496,7 @@
           <p:cNvPr id="2" name="Title 1">
             <a:extLst>
               <a:ext uri="{FF2B5EF4-FFF2-40B4-BE49-F238E27FC236}">
-                <a16:creationId xmlns:a16="http://schemas.microsoft.com/office/drawing/2014/main" id="{10E0286A-0819-6AE4-5527-1D245473B3EA}"/>
+                <a16:creationId xmlns:a16="http://schemas.microsoft.com/office/drawing/2014/main" id="{261F3BEF-95A8-4BE3-A3FD-C45B22B9CC67}"/>
               </a:ext>
             </a:extLst>
           </p:cNvPr>
@@ -3568,7 +3514,7 @@
           <a:p>
             <a:r>
               <a:rPr lang="en-SG" b="1" dirty="0"/>
-              <a:t>                       </a:t>
+              <a:t>                            </a:t>
             </a:r>
             <a:r>
               <a:rPr lang="en-SG" b="1" u="sng" dirty="0"/>
@@ -3578,69 +3524,10 @@
           </a:p>
         </p:txBody>
       </p:sp>
-      <p:pic>
-        <p:nvPicPr>
-          <p:cNvPr id="7" name="Picture 6">
-            <a:extLst>
-              <a:ext uri="{FF2B5EF4-FFF2-40B4-BE49-F238E27FC236}">
-                <a16:creationId xmlns:a16="http://schemas.microsoft.com/office/drawing/2014/main" id="{CE3A2F6E-4C7B-0A15-6341-B3E20C0DF811}"/>
-              </a:ext>
-            </a:extLst>
-          </p:cNvPr>
-          <p:cNvPicPr>
-            <a:picLocks noChangeAspect="1"/>
-          </p:cNvPicPr>
-          <p:nvPr/>
-        </p:nvPicPr>
-        <p:blipFill>
-          <a:blip r:embed="rId2"/>
-          <a:stretch>
-            <a:fillRect/>
-          </a:stretch>
-        </p:blipFill>
-        <p:spPr>
-          <a:xfrm>
-            <a:off x="6227546" y="2125973"/>
-            <a:ext cx="5316949" cy="3343042"/>
-          </a:xfrm>
-          <a:prstGeom prst="rect">
-            <a:avLst/>
-          </a:prstGeom>
-        </p:spPr>
-      </p:pic>
-      <p:pic>
-        <p:nvPicPr>
-          <p:cNvPr id="10" name="Content Placeholder 4">
-            <a:extLst>
-              <a:ext uri="{FF2B5EF4-FFF2-40B4-BE49-F238E27FC236}">
-                <a16:creationId xmlns:a16="http://schemas.microsoft.com/office/drawing/2014/main" id="{9951D26A-7EFA-EE61-1C33-7238A08A18D9}"/>
-              </a:ext>
-            </a:extLst>
-          </p:cNvPr>
-          <p:cNvPicPr>
-            <a:picLocks noGrp="1" noChangeAspect="1"/>
-          </p:cNvPicPr>
-          <p:nvPr>
-            <p:ph idx="1"/>
-          </p:nvPr>
-        </p:nvPicPr>
-        <p:blipFill>
-          <a:blip r:embed="rId3"/>
-          <a:stretch>
-            <a:fillRect/>
-          </a:stretch>
-        </p:blipFill>
-        <p:spPr>
-          <a:xfrm>
-            <a:off x="0" y="2125973"/>
-            <a:ext cx="5640404" cy="3664008"/>
-          </a:xfrm>
-        </p:spPr>
-      </p:pic>
     </p:spTree>
     <p:extLst>
       <p:ext uri="{BB962C8B-B14F-4D97-AF65-F5344CB8AC3E}">
-        <p14:creationId xmlns:p14="http://schemas.microsoft.com/office/powerpoint/2010/main" val="2987555743"/>
+        <p14:creationId xmlns:p14="http://schemas.microsoft.com/office/powerpoint/2010/main" val="1096317611"/>
       </p:ext>
     </p:extLst>
   </p:cSld>
@@ -3672,7 +3559,7 @@
           <p:cNvPr id="2" name="Title 1">
             <a:extLst>
               <a:ext uri="{FF2B5EF4-FFF2-40B4-BE49-F238E27FC236}">
-                <a16:creationId xmlns:a16="http://schemas.microsoft.com/office/drawing/2014/main" id="{73696904-D47B-F3E1-7942-9351732BAFB9}"/>
+                <a16:creationId xmlns:a16="http://schemas.microsoft.com/office/drawing/2014/main" id="{10E0286A-0819-6AE4-5527-1D245473B3EA}"/>
               </a:ext>
             </a:extLst>
           </p:cNvPr>
@@ -3683,19 +3570,14 @@
             <p:ph type="title"/>
           </p:nvPr>
         </p:nvSpPr>
-        <p:spPr>
-          <a:xfrm>
-            <a:off x="838200" y="6550"/>
-            <a:ext cx="10515600" cy="1325563"/>
-          </a:xfrm>
-        </p:spPr>
-        <p:txBody>
-          <a:bodyPr/>
-          <a:lstStyle/>
-          <a:p>
-            <a:r>
-              <a:rPr lang="en-SG" dirty="0"/>
-              <a:t>                          </a:t>
+        <p:spPr/>
+        <p:txBody>
+          <a:bodyPr/>
+          <a:lstStyle/>
+          <a:p>
+            <a:r>
+              <a:rPr lang="en-SG" b="1" dirty="0"/>
+              <a:t>                       </a:t>
             </a:r>
             <a:r>
               <a:rPr lang="en-SG" b="1" u="sng" dirty="0"/>
@@ -3705,160 +3587,38 @@
           </a:p>
         </p:txBody>
       </p:sp>
-      <p:pic>
-        <p:nvPicPr>
-          <p:cNvPr id="5" name="Picture 4">
-            <a:extLst>
-              <a:ext uri="{FF2B5EF4-FFF2-40B4-BE49-F238E27FC236}">
-                <a16:creationId xmlns:a16="http://schemas.microsoft.com/office/drawing/2014/main" id="{583FED2A-F530-6137-6E47-4738DE02F5E3}"/>
-              </a:ext>
-            </a:extLst>
-          </p:cNvPr>
-          <p:cNvPicPr>
-            <a:picLocks noChangeAspect="1"/>
-          </p:cNvPicPr>
-          <p:nvPr/>
-        </p:nvPicPr>
-        <p:blipFill>
-          <a:blip r:embed="rId2"/>
-          <a:stretch>
-            <a:fillRect/>
-          </a:stretch>
-        </p:blipFill>
-        <p:spPr>
-          <a:xfrm>
-            <a:off x="0" y="1535229"/>
-            <a:ext cx="4007056" cy="2629035"/>
-          </a:xfrm>
-          <a:prstGeom prst="rect">
-            <a:avLst/>
-          </a:prstGeom>
-        </p:spPr>
-      </p:pic>
-      <p:pic>
-        <p:nvPicPr>
-          <p:cNvPr id="7" name="Picture 6">
-            <a:extLst>
-              <a:ext uri="{FF2B5EF4-FFF2-40B4-BE49-F238E27FC236}">
-                <a16:creationId xmlns:a16="http://schemas.microsoft.com/office/drawing/2014/main" id="{64E4EF75-4EA7-53A5-521E-CCED751F3C0D}"/>
-              </a:ext>
-            </a:extLst>
-          </p:cNvPr>
-          <p:cNvPicPr>
-            <a:picLocks noChangeAspect="1"/>
-          </p:cNvPicPr>
-          <p:nvPr/>
-        </p:nvPicPr>
-        <p:blipFill>
-          <a:blip r:embed="rId3"/>
-          <a:stretch>
-            <a:fillRect/>
-          </a:stretch>
-        </p:blipFill>
-        <p:spPr>
-          <a:xfrm>
-            <a:off x="4252926" y="1556217"/>
-            <a:ext cx="4013406" cy="2597283"/>
-          </a:xfrm>
-          <a:prstGeom prst="rect">
-            <a:avLst/>
-          </a:prstGeom>
-        </p:spPr>
-      </p:pic>
-      <p:pic>
-        <p:nvPicPr>
-          <p:cNvPr id="13" name="Picture 12">
-            <a:extLst>
-              <a:ext uri="{FF2B5EF4-FFF2-40B4-BE49-F238E27FC236}">
-                <a16:creationId xmlns:a16="http://schemas.microsoft.com/office/drawing/2014/main" id="{F3C30D9D-1FF8-F58F-43F0-016201DE878D}"/>
-              </a:ext>
-            </a:extLst>
-          </p:cNvPr>
-          <p:cNvPicPr>
-            <a:picLocks noChangeAspect="1"/>
-          </p:cNvPicPr>
-          <p:nvPr/>
-        </p:nvPicPr>
-        <p:blipFill>
-          <a:blip r:embed="rId4"/>
-          <a:stretch>
-            <a:fillRect/>
-          </a:stretch>
-        </p:blipFill>
-        <p:spPr>
-          <a:xfrm>
-            <a:off x="8184944" y="1535229"/>
-            <a:ext cx="4007056" cy="2584583"/>
-          </a:xfrm>
-          <a:prstGeom prst="rect">
-            <a:avLst/>
-          </a:prstGeom>
-        </p:spPr>
-      </p:pic>
-      <p:pic>
-        <p:nvPicPr>
-          <p:cNvPr id="15" name="Picture 14">
-            <a:extLst>
-              <a:ext uri="{FF2B5EF4-FFF2-40B4-BE49-F238E27FC236}">
-                <a16:creationId xmlns:a16="http://schemas.microsoft.com/office/drawing/2014/main" id="{71825478-A390-1FEF-6B88-DACACCCE4FB7}"/>
-              </a:ext>
-            </a:extLst>
-          </p:cNvPr>
-          <p:cNvPicPr>
-            <a:picLocks noChangeAspect="1"/>
-          </p:cNvPicPr>
-          <p:nvPr/>
-        </p:nvPicPr>
-        <p:blipFill>
-          <a:blip r:embed="rId5"/>
-          <a:stretch>
-            <a:fillRect/>
-          </a:stretch>
-        </p:blipFill>
-        <p:spPr>
-          <a:xfrm>
-            <a:off x="1638129" y="4119811"/>
-            <a:ext cx="4146654" cy="2609645"/>
-          </a:xfrm>
-          <a:prstGeom prst="rect">
-            <a:avLst/>
-          </a:prstGeom>
-        </p:spPr>
-      </p:pic>
-      <p:pic>
-        <p:nvPicPr>
-          <p:cNvPr id="21" name="Picture 20">
-            <a:extLst>
-              <a:ext uri="{FF2B5EF4-FFF2-40B4-BE49-F238E27FC236}">
-                <a16:creationId xmlns:a16="http://schemas.microsoft.com/office/drawing/2014/main" id="{7667C341-C13F-FCED-2FA0-4CB33CA6E6E6}"/>
-              </a:ext>
-            </a:extLst>
-          </p:cNvPr>
-          <p:cNvPicPr>
-            <a:picLocks noChangeAspect="1"/>
-          </p:cNvPicPr>
-          <p:nvPr/>
-        </p:nvPicPr>
-        <p:blipFill>
-          <a:blip r:embed="rId6"/>
-          <a:stretch>
-            <a:fillRect/>
-          </a:stretch>
-        </p:blipFill>
-        <p:spPr>
-          <a:xfrm>
-            <a:off x="6272329" y="4030479"/>
-            <a:ext cx="4394164" cy="2847810"/>
-          </a:xfrm>
-          <a:prstGeom prst="rect">
-            <a:avLst/>
-          </a:prstGeom>
-        </p:spPr>
-      </p:pic>
+      <p:sp>
+        <p:nvSpPr>
+          <p:cNvPr id="4" name="Content Placeholder 3">
+            <a:extLst>
+              <a:ext uri="{FF2B5EF4-FFF2-40B4-BE49-F238E27FC236}">
+                <a16:creationId xmlns:a16="http://schemas.microsoft.com/office/drawing/2014/main" id="{0962A834-FCF3-46F8-39E2-21C08E362F2E}"/>
+              </a:ext>
+            </a:extLst>
+          </p:cNvPr>
+          <p:cNvSpPr>
+            <a:spLocks noGrp="1"/>
+          </p:cNvSpPr>
+          <p:nvPr>
+            <p:ph idx="1"/>
+          </p:nvPr>
+        </p:nvSpPr>
+        <p:spPr/>
+        <p:txBody>
+          <a:bodyPr/>
+          <a:lstStyle/>
+          <a:p>
+            <a:pPr marL="0" indent="0">
+              <a:buNone/>
+            </a:pPr>
+            <a:endParaRPr lang="en-SG" dirty="0"/>
+          </a:p>
+        </p:txBody>
+      </p:sp>
     </p:spTree>
     <p:extLst>
       <p:ext uri="{BB962C8B-B14F-4D97-AF65-F5344CB8AC3E}">
-        <p14:creationId xmlns:p14="http://schemas.microsoft.com/office/powerpoint/2010/main" val="2985221429"/>
+        <p14:creationId xmlns:p14="http://schemas.microsoft.com/office/powerpoint/2010/main" val="2987555743"/>
       </p:ext>
     </p:extLst>
   </p:cSld>
@@ -3890,7 +3650,7 @@
           <p:cNvPr id="2" name="Title 1">
             <a:extLst>
               <a:ext uri="{FF2B5EF4-FFF2-40B4-BE49-F238E27FC236}">
-                <a16:creationId xmlns:a16="http://schemas.microsoft.com/office/drawing/2014/main" id="{6BE63486-5FB9-2D50-A014-0EAE272ADD4E}"/>
+                <a16:creationId xmlns:a16="http://schemas.microsoft.com/office/drawing/2014/main" id="{73696904-D47B-F3E1-7942-9351732BAFB9}"/>
               </a:ext>
             </a:extLst>
           </p:cNvPr>
@@ -3901,7 +3661,12 @@
             <p:ph type="title"/>
           </p:nvPr>
         </p:nvSpPr>
-        <p:spPr/>
+        <p:spPr>
+          <a:xfrm>
+            <a:off x="838200" y="6550"/>
+            <a:ext cx="10515600" cy="1325563"/>
+          </a:xfrm>
+        </p:spPr>
         <p:txBody>
           <a:bodyPr/>
           <a:lstStyle/>
@@ -3920,10 +3685,10 @@
       </p:sp>
       <p:pic>
         <p:nvPicPr>
-          <p:cNvPr id="5" name="Picture 4">
-            <a:extLst>
-              <a:ext uri="{FF2B5EF4-FFF2-40B4-BE49-F238E27FC236}">
-                <a16:creationId xmlns:a16="http://schemas.microsoft.com/office/drawing/2014/main" id="{68FB34F6-DC25-ECB0-0107-2BE0EA9CBA07}"/>
+          <p:cNvPr id="3" name="Picture 2">
+            <a:extLst>
+              <a:ext uri="{FF2B5EF4-FFF2-40B4-BE49-F238E27FC236}">
+                <a16:creationId xmlns:a16="http://schemas.microsoft.com/office/drawing/2014/main" id="{3EB7CBDF-6157-D7A3-E682-1AD350F491B4}"/>
               </a:ext>
             </a:extLst>
           </p:cNvPr>
@@ -3940,8 +3705,8 @@
         </p:blipFill>
         <p:spPr>
           <a:xfrm>
-            <a:off x="3187797" y="1767573"/>
-            <a:ext cx="6153439" cy="3901707"/>
+            <a:off x="1732548" y="1507402"/>
+            <a:ext cx="8874493" cy="4538933"/>
           </a:xfrm>
           <a:prstGeom prst="rect">
             <a:avLst/>
@@ -3951,7 +3716,7 @@
     </p:spTree>
     <p:extLst>
       <p:ext uri="{BB962C8B-B14F-4D97-AF65-F5344CB8AC3E}">
-        <p14:creationId xmlns:p14="http://schemas.microsoft.com/office/powerpoint/2010/main" val="156070377"/>
+        <p14:creationId xmlns:p14="http://schemas.microsoft.com/office/powerpoint/2010/main" val="2985221429"/>
       </p:ext>
     </p:extLst>
   </p:cSld>
@@ -3983,7 +3748,7 @@
           <p:cNvPr id="2" name="Title 1">
             <a:extLst>
               <a:ext uri="{FF2B5EF4-FFF2-40B4-BE49-F238E27FC236}">
-                <a16:creationId xmlns:a16="http://schemas.microsoft.com/office/drawing/2014/main" id="{9D71E254-09FC-4358-4138-8D708F7DA296}"/>
+                <a16:creationId xmlns:a16="http://schemas.microsoft.com/office/drawing/2014/main" id="{6BE63486-5FB9-2D50-A014-0EAE272ADD4E}"/>
               </a:ext>
             </a:extLst>
           </p:cNvPr>
@@ -4001,21 +3766,22 @@
           <a:p>
             <a:r>
               <a:rPr lang="en-SG" dirty="0"/>
-              <a:t>                     </a:t>
+              <a:t>                          </a:t>
             </a:r>
             <a:r>
               <a:rPr lang="en-SG" b="1" u="sng" dirty="0"/>
-              <a:t>Why choose us page</a:t>
-            </a:r>
+              <a:t>Transaction done page</a:t>
+            </a:r>
+            <a:endParaRPr lang="en-SG" dirty="0"/>
           </a:p>
         </p:txBody>
       </p:sp>
       <p:pic>
         <p:nvPicPr>
-          <p:cNvPr id="5" name="Content Placeholder 4">
-            <a:extLst>
-              <a:ext uri="{FF2B5EF4-FFF2-40B4-BE49-F238E27FC236}">
-                <a16:creationId xmlns:a16="http://schemas.microsoft.com/office/drawing/2014/main" id="{473E9563-61D0-3F38-71D6-01E60EAB9A96}"/>
+          <p:cNvPr id="3" name="Content Placeholder 6">
+            <a:extLst>
+              <a:ext uri="{FF2B5EF4-FFF2-40B4-BE49-F238E27FC236}">
+                <a16:creationId xmlns:a16="http://schemas.microsoft.com/office/drawing/2014/main" id="{A5DCCB4B-DB00-4FE4-82FF-9524B8F5AB0A}"/>
               </a:ext>
             </a:extLst>
           </p:cNvPr>
@@ -4034,15 +3800,15 @@
         </p:blipFill>
         <p:spPr>
           <a:xfrm>
-            <a:off x="2039187" y="1458134"/>
-            <a:ext cx="7939475" cy="5212173"/>
+            <a:off x="1947753" y="1690688"/>
+            <a:ext cx="8296493" cy="4351338"/>
           </a:xfrm>
         </p:spPr>
       </p:pic>
     </p:spTree>
     <p:extLst>
       <p:ext uri="{BB962C8B-B14F-4D97-AF65-F5344CB8AC3E}">
-        <p14:creationId xmlns:p14="http://schemas.microsoft.com/office/powerpoint/2010/main" val="1800230084"/>
+        <p14:creationId xmlns:p14="http://schemas.microsoft.com/office/powerpoint/2010/main" val="156070377"/>
       </p:ext>
     </p:extLst>
   </p:cSld>
@@ -4074,7 +3840,7 @@
           <p:cNvPr id="2" name="Title 1">
             <a:extLst>
               <a:ext uri="{FF2B5EF4-FFF2-40B4-BE49-F238E27FC236}">
-                <a16:creationId xmlns:a16="http://schemas.microsoft.com/office/drawing/2014/main" id="{0B05CB12-BC11-ADAD-CE59-E91606DA919A}"/>
+                <a16:creationId xmlns:a16="http://schemas.microsoft.com/office/drawing/2014/main" id="{9D71E254-09FC-4358-4138-8D708F7DA296}"/>
               </a:ext>
             </a:extLst>
           </p:cNvPr>
@@ -4092,30 +3858,28 @@
           <a:p>
             <a:r>
               <a:rPr lang="en-SG" dirty="0"/>
-              <a:t>                       </a:t>
+              <a:t>                     </a:t>
             </a:r>
             <a:r>
               <a:rPr lang="en-SG" b="1" u="sng" dirty="0"/>
-              <a:t>Contact Us page</a:t>
+              <a:t>Why choose us page</a:t>
             </a:r>
           </a:p>
         </p:txBody>
       </p:sp>
       <p:pic>
         <p:nvPicPr>
-          <p:cNvPr id="4" name="Content Placeholder 3">
-            <a:extLst>
-              <a:ext uri="{FF2B5EF4-FFF2-40B4-BE49-F238E27FC236}">
-                <a16:creationId xmlns:a16="http://schemas.microsoft.com/office/drawing/2014/main" id="{8E8575CE-E52C-860E-B5A2-A90028530991}"/>
+          <p:cNvPr id="7" name="Picture 6">
+            <a:extLst>
+              <a:ext uri="{FF2B5EF4-FFF2-40B4-BE49-F238E27FC236}">
+                <a16:creationId xmlns:a16="http://schemas.microsoft.com/office/drawing/2014/main" id="{F8999A1C-B823-86DE-D8B5-1ADCB43EE54A}"/>
               </a:ext>
             </a:extLst>
           </p:cNvPr>
           <p:cNvPicPr>
-            <a:picLocks noGrp="1" noChangeAspect="1"/>
+            <a:picLocks noChangeAspect="1"/>
           </p:cNvPicPr>
-          <p:nvPr>
-            <p:ph idx="1"/>
-          </p:nvPr>
+          <p:nvPr/>
         </p:nvPicPr>
         <p:blipFill>
           <a:blip r:embed="rId2"/>
@@ -4125,8 +3889,130 @@
         </p:blipFill>
         <p:spPr>
           <a:xfrm>
-            <a:off x="2240158" y="1690688"/>
-            <a:ext cx="7711684" cy="5047824"/>
+            <a:off x="1953116" y="1579786"/>
+            <a:ext cx="9125562" cy="4843015"/>
+          </a:xfrm>
+          <a:prstGeom prst="rect">
+            <a:avLst/>
+          </a:prstGeom>
+        </p:spPr>
+      </p:pic>
+    </p:spTree>
+    <p:extLst>
+      <p:ext uri="{BB962C8B-B14F-4D97-AF65-F5344CB8AC3E}">
+        <p14:creationId xmlns:p14="http://schemas.microsoft.com/office/powerpoint/2010/main" val="1800230084"/>
+      </p:ext>
+    </p:extLst>
+  </p:cSld>
+  <p:clrMapOvr>
+    <a:masterClrMapping/>
+  </p:clrMapOvr>
+</p:sld>
+</file>
+
+<file path=ppt/slides/slide16.xml><?xml version="1.0" encoding="utf-8"?>
+<p:sld xmlns:a="http://schemas.openxmlformats.org/drawingml/2006/main" xmlns:r="http://schemas.openxmlformats.org/officeDocument/2006/relationships" xmlns:p="http://schemas.openxmlformats.org/presentationml/2006/main">
+  <p:cSld>
+    <p:spTree>
+      <p:nvGrpSpPr>
+        <p:cNvPr id="1" name=""/>
+        <p:cNvGrpSpPr/>
+        <p:nvPr/>
+      </p:nvGrpSpPr>
+      <p:grpSpPr>
+        <a:xfrm>
+          <a:off x="0" y="0"/>
+          <a:ext cx="0" cy="0"/>
+          <a:chOff x="0" y="0"/>
+          <a:chExt cx="0" cy="0"/>
+        </a:xfrm>
+      </p:grpSpPr>
+      <p:sp>
+        <p:nvSpPr>
+          <p:cNvPr id="2" name="Title 1">
+            <a:extLst>
+              <a:ext uri="{FF2B5EF4-FFF2-40B4-BE49-F238E27FC236}">
+                <a16:creationId xmlns:a16="http://schemas.microsoft.com/office/drawing/2014/main" id="{0B05CB12-BC11-ADAD-CE59-E91606DA919A}"/>
+              </a:ext>
+            </a:extLst>
+          </p:cNvPr>
+          <p:cNvSpPr>
+            <a:spLocks noGrp="1"/>
+          </p:cNvSpPr>
+          <p:nvPr>
+            <p:ph type="title"/>
+          </p:nvPr>
+        </p:nvSpPr>
+        <p:spPr/>
+        <p:txBody>
+          <a:bodyPr/>
+          <a:lstStyle/>
+          <a:p>
+            <a:r>
+              <a:rPr lang="en-SG" dirty="0"/>
+              <a:t>                       </a:t>
+            </a:r>
+            <a:r>
+              <a:rPr lang="en-SG" b="1" u="sng" dirty="0"/>
+              <a:t>Contact Us page</a:t>
+            </a:r>
+          </a:p>
+        </p:txBody>
+      </p:sp>
+      <p:sp>
+        <p:nvSpPr>
+          <p:cNvPr id="5" name="Content Placeholder 4">
+            <a:extLst>
+              <a:ext uri="{FF2B5EF4-FFF2-40B4-BE49-F238E27FC236}">
+                <a16:creationId xmlns:a16="http://schemas.microsoft.com/office/drawing/2014/main" id="{C500FD42-F151-B2A8-B4FF-878342A3F63D}"/>
+              </a:ext>
+            </a:extLst>
+          </p:cNvPr>
+          <p:cNvSpPr>
+            <a:spLocks noGrp="1"/>
+          </p:cNvSpPr>
+          <p:nvPr>
+            <p:ph idx="1"/>
+          </p:nvPr>
+        </p:nvSpPr>
+        <p:spPr>
+          <a:xfrm>
+            <a:off x="2054191" y="3452542"/>
+            <a:ext cx="8418015" cy="2734045"/>
+          </a:xfrm>
+        </p:spPr>
+        <p:txBody>
+          <a:bodyPr/>
+          <a:lstStyle/>
+          <a:p>
+            <a:endParaRPr lang="en-SG"/>
+          </a:p>
+        </p:txBody>
+      </p:sp>
+      <p:pic>
+        <p:nvPicPr>
+          <p:cNvPr id="7" name="Picture 6">
+            <a:extLst>
+              <a:ext uri="{FF2B5EF4-FFF2-40B4-BE49-F238E27FC236}">
+                <a16:creationId xmlns:a16="http://schemas.microsoft.com/office/drawing/2014/main" id="{28E32D17-855F-6FBF-919F-CDF8F6CAEB8B}"/>
+              </a:ext>
+            </a:extLst>
+          </p:cNvPr>
+          <p:cNvPicPr>
+            <a:picLocks noChangeAspect="1"/>
+          </p:cNvPicPr>
+          <p:nvPr/>
+        </p:nvPicPr>
+        <p:blipFill>
+          <a:blip r:embed="rId2"/>
+          <a:stretch>
+            <a:fillRect/>
+          </a:stretch>
+        </p:blipFill>
+        <p:spPr>
+          <a:xfrm>
+            <a:off x="1215991" y="1516924"/>
+            <a:ext cx="9760017" cy="5118926"/>
           </a:xfrm>
           <a:prstGeom prst="rect">
             <a:avLst/>
@@ -4198,19 +4084,17 @@
       </p:sp>
       <p:pic>
         <p:nvPicPr>
-          <p:cNvPr id="5" name="Content Placeholder 4">
-            <a:extLst>
-              <a:ext uri="{FF2B5EF4-FFF2-40B4-BE49-F238E27FC236}">
-                <a16:creationId xmlns:a16="http://schemas.microsoft.com/office/drawing/2014/main" id="{1B6DC5BB-54C3-1BB5-5325-04BF2FF3E704}"/>
+          <p:cNvPr id="7" name="Picture 6">
+            <a:extLst>
+              <a:ext uri="{FF2B5EF4-FFF2-40B4-BE49-F238E27FC236}">
+                <a16:creationId xmlns:a16="http://schemas.microsoft.com/office/drawing/2014/main" id="{5C7439F5-92E3-0FA1-EAEB-50CE27908B59}"/>
               </a:ext>
             </a:extLst>
           </p:cNvPr>
           <p:cNvPicPr>
-            <a:picLocks noGrp="1" noChangeAspect="1"/>
+            <a:picLocks noChangeAspect="1"/>
           </p:cNvPicPr>
-          <p:nvPr>
-            <p:ph idx="1"/>
-          </p:nvPr>
+          <p:nvPr/>
         </p:nvPicPr>
         <p:blipFill>
           <a:blip r:embed="rId2"/>
@@ -4220,9 +4104,12 @@
         </p:blipFill>
         <p:spPr>
           <a:xfrm>
-            <a:off x="1783276" y="1219050"/>
-            <a:ext cx="7873125" cy="5143248"/>
+            <a:off x="1384433" y="1325563"/>
+            <a:ext cx="9423133" cy="4927513"/>
           </a:xfrm>
+          <a:prstGeom prst="rect">
+            <a:avLst/>
+          </a:prstGeom>
         </p:spPr>
       </p:pic>
     </p:spTree>
@@ -4273,8 +4160,8 @@
         </p:nvSpPr>
         <p:spPr>
           <a:xfrm>
-            <a:off x="725160" y="0"/>
-            <a:ext cx="10515600" cy="1325563"/>
+            <a:off x="3439485" y="48126"/>
+            <a:ext cx="4501357" cy="1325563"/>
           </a:xfrm>
         </p:spPr>
         <p:txBody>
@@ -4282,22 +4169,18 @@
           <a:lstStyle/>
           <a:p>
             <a:r>
-              <a:rPr lang="en-SG" b="1" dirty="0"/>
-              <a:t>                    </a:t>
-            </a:r>
-            <a:r>
               <a:rPr lang="en-SG" b="1" u="sng" dirty="0"/>
-              <a:t>Service description page                   </a:t>
+              <a:t>Our Services page                   </a:t>
             </a:r>
           </a:p>
         </p:txBody>
       </p:sp>
       <p:pic>
         <p:nvPicPr>
-          <p:cNvPr id="22" name="Picture 21">
-            <a:extLst>
-              <a:ext uri="{FF2B5EF4-FFF2-40B4-BE49-F238E27FC236}">
-                <a16:creationId xmlns:a16="http://schemas.microsoft.com/office/drawing/2014/main" id="{C2E2F367-45CC-FEEC-E2E8-39893040DA03}"/>
+          <p:cNvPr id="3" name="Picture 2">
+            <a:extLst>
+              <a:ext uri="{FF2B5EF4-FFF2-40B4-BE49-F238E27FC236}">
+                <a16:creationId xmlns:a16="http://schemas.microsoft.com/office/drawing/2014/main" id="{3CD6A549-224F-682F-DA8B-B362F2C23D90}"/>
               </a:ext>
             </a:extLst>
           </p:cNvPr>
@@ -4314,8 +4197,8 @@
         </p:blipFill>
         <p:spPr>
           <a:xfrm>
-            <a:off x="1912225" y="1325563"/>
-            <a:ext cx="8232802" cy="5342791"/>
+            <a:off x="1360370" y="1325563"/>
+            <a:ext cx="9740766" cy="5113902"/>
           </a:xfrm>
           <a:prstGeom prst="rect">
             <a:avLst/>
@@ -4357,7 +4240,7 @@
           <p:cNvPr id="2" name="Title 1">
             <a:extLst>
               <a:ext uri="{FF2B5EF4-FFF2-40B4-BE49-F238E27FC236}">
-                <a16:creationId xmlns:a16="http://schemas.microsoft.com/office/drawing/2014/main" id="{B4C52545-1DA6-F086-67D3-289CEDA065EA}"/>
+                <a16:creationId xmlns:a16="http://schemas.microsoft.com/office/drawing/2014/main" id="{66B4B7BF-CE2B-2F61-1BC3-7FB7B6F343B0}"/>
               </a:ext>
             </a:extLst>
           </p:cNvPr>
@@ -4370,8 +4253,8 @@
         </p:nvSpPr>
         <p:spPr>
           <a:xfrm>
-            <a:off x="682171" y="18616"/>
-            <a:ext cx="10515600" cy="1325563"/>
+            <a:off x="4312118" y="0"/>
+            <a:ext cx="2935705" cy="1325563"/>
           </a:xfrm>
         </p:spPr>
         <p:txBody>
@@ -4379,23 +4262,18 @@
           <a:lstStyle/>
           <a:p>
             <a:r>
-              <a:rPr lang="en-SG" b="1" dirty="0"/>
-              <a:t>                     </a:t>
-            </a:r>
-            <a:r>
               <a:rPr lang="en-SG" b="1" u="sng" dirty="0"/>
-              <a:t>Service description page </a:t>
-            </a:r>
-            <a:endParaRPr lang="en-SG" dirty="0"/>
+              <a:t>Login page </a:t>
+            </a:r>
           </a:p>
         </p:txBody>
       </p:sp>
       <p:pic>
         <p:nvPicPr>
-          <p:cNvPr id="9" name="Picture 8">
-            <a:extLst>
-              <a:ext uri="{FF2B5EF4-FFF2-40B4-BE49-F238E27FC236}">
-                <a16:creationId xmlns:a16="http://schemas.microsoft.com/office/drawing/2014/main" id="{4E043595-4DC6-8EDB-CBB9-C0DB7D7BEEBB}"/>
+          <p:cNvPr id="4" name="Picture 3">
+            <a:extLst>
+              <a:ext uri="{FF2B5EF4-FFF2-40B4-BE49-F238E27FC236}">
+                <a16:creationId xmlns:a16="http://schemas.microsoft.com/office/drawing/2014/main" id="{5BDC3335-D0D2-7F66-2723-F89028100908}"/>
               </a:ext>
             </a:extLst>
           </p:cNvPr>
@@ -4412,8 +4290,8 @@
         </p:blipFill>
         <p:spPr>
           <a:xfrm>
-            <a:off x="1674796" y="1344179"/>
-            <a:ext cx="7984052" cy="5201100"/>
+            <a:off x="1366788" y="1325563"/>
+            <a:ext cx="9144000" cy="4800600"/>
           </a:xfrm>
           <a:prstGeom prst="rect">
             <a:avLst/>
@@ -4423,7 +4301,7 @@
     </p:spTree>
     <p:extLst>
       <p:ext uri="{BB962C8B-B14F-4D97-AF65-F5344CB8AC3E}">
-        <p14:creationId xmlns:p14="http://schemas.microsoft.com/office/powerpoint/2010/main" val="1345289459"/>
+        <p14:creationId xmlns:p14="http://schemas.microsoft.com/office/powerpoint/2010/main" val="3735890390"/>
       </p:ext>
     </p:extLst>
   </p:cSld>
@@ -4468,8 +4346,8 @@
         </p:nvSpPr>
         <p:spPr>
           <a:xfrm>
-            <a:off x="838200" y="0"/>
-            <a:ext cx="10515600" cy="1325563"/>
+            <a:off x="4557962" y="0"/>
+            <a:ext cx="3281413" cy="1325563"/>
           </a:xfrm>
         </p:spPr>
         <p:txBody>
@@ -4477,22 +4355,18 @@
           <a:lstStyle/>
           <a:p>
             <a:r>
-              <a:rPr lang="en-SG" dirty="0"/>
-              <a:t>                          </a:t>
-            </a:r>
-            <a:r>
               <a:rPr lang="en-SG" b="1" u="sng" dirty="0"/>
-              <a:t>Transaction page </a:t>
+              <a:t>Register page </a:t>
             </a:r>
           </a:p>
         </p:txBody>
       </p:sp>
       <p:pic>
         <p:nvPicPr>
-          <p:cNvPr id="20" name="Picture 19">
-            <a:extLst>
-              <a:ext uri="{FF2B5EF4-FFF2-40B4-BE49-F238E27FC236}">
-                <a16:creationId xmlns:a16="http://schemas.microsoft.com/office/drawing/2014/main" id="{6CAD49B5-F7DB-930F-BD3C-8C6B9C5A74CD}"/>
+          <p:cNvPr id="5" name="Picture 4">
+            <a:extLst>
+              <a:ext uri="{FF2B5EF4-FFF2-40B4-BE49-F238E27FC236}">
+                <a16:creationId xmlns:a16="http://schemas.microsoft.com/office/drawing/2014/main" id="{43F67AE6-04E5-9BCB-2F87-AD9F52CE358C}"/>
               </a:ext>
             </a:extLst>
           </p:cNvPr>
@@ -4509,38 +4383,8 @@
         </p:blipFill>
         <p:spPr>
           <a:xfrm>
-            <a:off x="86627" y="1921994"/>
-            <a:ext cx="5881036" cy="3696445"/>
-          </a:xfrm>
-          <a:prstGeom prst="rect">
-            <a:avLst/>
-          </a:prstGeom>
-        </p:spPr>
-      </p:pic>
-      <p:pic>
-        <p:nvPicPr>
-          <p:cNvPr id="24" name="Picture 23">
-            <a:extLst>
-              <a:ext uri="{FF2B5EF4-FFF2-40B4-BE49-F238E27FC236}">
-                <a16:creationId xmlns:a16="http://schemas.microsoft.com/office/drawing/2014/main" id="{2275EB1F-5FA2-AF53-7F38-29D272184848}"/>
-              </a:ext>
-            </a:extLst>
-          </p:cNvPr>
-          <p:cNvPicPr>
-            <a:picLocks noChangeAspect="1"/>
-          </p:cNvPicPr>
-          <p:nvPr/>
-        </p:nvPicPr>
-        <p:blipFill>
-          <a:blip r:embed="rId3"/>
-          <a:stretch>
-            <a:fillRect/>
-          </a:stretch>
-        </p:blipFill>
-        <p:spPr>
-          <a:xfrm>
-            <a:off x="6096001" y="1921994"/>
-            <a:ext cx="6095999" cy="3864033"/>
+            <a:off x="1347537" y="1325563"/>
+            <a:ext cx="9702265" cy="5073476"/>
           </a:xfrm>
           <a:prstGeom prst="rect">
             <a:avLst/>
@@ -4550,7 +4394,7 @@
     </p:spTree>
     <p:extLst>
       <p:ext uri="{BB962C8B-B14F-4D97-AF65-F5344CB8AC3E}">
-        <p14:creationId xmlns:p14="http://schemas.microsoft.com/office/powerpoint/2010/main" val="3735890390"/>
+        <p14:creationId xmlns:p14="http://schemas.microsoft.com/office/powerpoint/2010/main" val="1452269973"/>
       </p:ext>
     </p:extLst>
   </p:cSld>
@@ -4595,21 +4439,19 @@
         </p:nvSpPr>
         <p:spPr>
           <a:xfrm>
-            <a:off x="838200" y="0"/>
-            <a:ext cx="9951720" cy="1027109"/>
+            <a:off x="3032760" y="326986"/>
+            <a:ext cx="5062086" cy="1027109"/>
           </a:xfrm>
         </p:spPr>
         <p:txBody>
-          <a:bodyPr/>
-          <a:lstStyle/>
-          <a:p>
-            <a:r>
-              <a:rPr lang="en-SG" b="1" dirty="0"/>
-              <a:t>                         </a:t>
-            </a:r>
+          <a:bodyPr>
+            <a:normAutofit/>
+          </a:bodyPr>
+          <a:lstStyle/>
+          <a:p>
             <a:r>
               <a:rPr lang="en-SG" b="1" u="sng" dirty="0"/>
-              <a:t>Transaction page</a:t>
+              <a:t>Find out more page</a:t>
             </a:r>
             <a:endParaRPr lang="en-SG" dirty="0"/>
           </a:p>
@@ -4617,10 +4459,10 @@
       </p:sp>
       <p:pic>
         <p:nvPicPr>
-          <p:cNvPr id="9" name="Picture 8">
-            <a:extLst>
-              <a:ext uri="{FF2B5EF4-FFF2-40B4-BE49-F238E27FC236}">
-                <a16:creationId xmlns:a16="http://schemas.microsoft.com/office/drawing/2014/main" id="{8D243586-12F3-3920-AA11-4568E3D7054D}"/>
+          <p:cNvPr id="6" name="Picture 5">
+            <a:extLst>
+              <a:ext uri="{FF2B5EF4-FFF2-40B4-BE49-F238E27FC236}">
+                <a16:creationId xmlns:a16="http://schemas.microsoft.com/office/drawing/2014/main" id="{BF9E30AA-8A64-AC88-CBB4-5FD079619EA1}"/>
               </a:ext>
             </a:extLst>
           </p:cNvPr>
@@ -4637,68 +4479,8 @@
         </p:blipFill>
         <p:spPr>
           <a:xfrm>
-            <a:off x="0" y="820766"/>
-            <a:ext cx="4852513" cy="3147991"/>
-          </a:xfrm>
-          <a:prstGeom prst="rect">
-            <a:avLst/>
-          </a:prstGeom>
-        </p:spPr>
-      </p:pic>
-      <p:pic>
-        <p:nvPicPr>
-          <p:cNvPr id="11" name="Picture 10">
-            <a:extLst>
-              <a:ext uri="{FF2B5EF4-FFF2-40B4-BE49-F238E27FC236}">
-                <a16:creationId xmlns:a16="http://schemas.microsoft.com/office/drawing/2014/main" id="{A1AC4FFB-55AA-BE77-F1AB-7E44DB78C698}"/>
-              </a:ext>
-            </a:extLst>
-          </p:cNvPr>
-          <p:cNvPicPr>
-            <a:picLocks noChangeAspect="1"/>
-          </p:cNvPicPr>
-          <p:nvPr/>
-        </p:nvPicPr>
-        <p:blipFill>
-          <a:blip r:embed="rId3"/>
-          <a:stretch>
-            <a:fillRect/>
-          </a:stretch>
-        </p:blipFill>
-        <p:spPr>
-          <a:xfrm>
-            <a:off x="4236401" y="3841301"/>
-            <a:ext cx="4529006" cy="2926324"/>
-          </a:xfrm>
-          <a:prstGeom prst="rect">
-            <a:avLst/>
-          </a:prstGeom>
-        </p:spPr>
-      </p:pic>
-      <p:pic>
-        <p:nvPicPr>
-          <p:cNvPr id="13" name="Picture 12">
-            <a:extLst>
-              <a:ext uri="{FF2B5EF4-FFF2-40B4-BE49-F238E27FC236}">
-                <a16:creationId xmlns:a16="http://schemas.microsoft.com/office/drawing/2014/main" id="{56EEFA2B-2F8E-1147-521A-1B0C35817EB8}"/>
-              </a:ext>
-            </a:extLst>
-          </p:cNvPr>
-          <p:cNvPicPr>
-            <a:picLocks noChangeAspect="1"/>
-          </p:cNvPicPr>
-          <p:nvPr/>
-        </p:nvPicPr>
-        <p:blipFill>
-          <a:blip r:embed="rId4"/>
-          <a:stretch>
-            <a:fillRect/>
-          </a:stretch>
-        </p:blipFill>
-        <p:spPr>
-          <a:xfrm>
-            <a:off x="7522243" y="890061"/>
-            <a:ext cx="4669757" cy="3009399"/>
+            <a:off x="2069431" y="1700964"/>
+            <a:ext cx="8287352" cy="4312013"/>
           </a:xfrm>
           <a:prstGeom prst="rect">
             <a:avLst/>
@@ -4740,7 +4522,7 @@
           <p:cNvPr id="2" name="Title 1">
             <a:extLst>
               <a:ext uri="{FF2B5EF4-FFF2-40B4-BE49-F238E27FC236}">
-                <a16:creationId xmlns:a16="http://schemas.microsoft.com/office/drawing/2014/main" id="{A132760E-1BC5-C3E7-ED34-3323403C77F7}"/>
+                <a16:creationId xmlns:a16="http://schemas.microsoft.com/office/drawing/2014/main" id="{29D910D2-DF24-C50D-CC04-A37B78181B44}"/>
               </a:ext>
             </a:extLst>
           </p:cNvPr>
@@ -4751,18 +4533,19 @@
             <p:ph type="title"/>
           </p:nvPr>
         </p:nvSpPr>
-        <p:spPr/>
+        <p:spPr>
+          <a:xfrm>
+            <a:off x="231808" y="355500"/>
+            <a:ext cx="10515600" cy="1325563"/>
+          </a:xfrm>
+        </p:spPr>
         <p:txBody>
           <a:bodyPr/>
           <a:lstStyle/>
           <a:p>
             <a:r>
               <a:rPr lang="en-SG" b="1" dirty="0"/>
-              <a:t>                          </a:t>
-            </a:r>
-            <a:r>
-              <a:rPr lang="en-SG" b="1" u="sng" dirty="0"/>
-              <a:t>Transaction page</a:t>
+              <a:t>                         cart page</a:t>
             </a:r>
             <a:endParaRPr lang="en-SG" dirty="0"/>
           </a:p>
@@ -4770,10 +4553,10 @@
       </p:sp>
       <p:pic>
         <p:nvPicPr>
-          <p:cNvPr id="5" name="Content Placeholder 4">
-            <a:extLst>
-              <a:ext uri="{FF2B5EF4-FFF2-40B4-BE49-F238E27FC236}">
-                <a16:creationId xmlns:a16="http://schemas.microsoft.com/office/drawing/2014/main" id="{E4F524FF-AD4F-F6E4-1BED-8B0DF9FBB0AC}"/>
+          <p:cNvPr id="11" name="Content Placeholder 10">
+            <a:extLst>
+              <a:ext uri="{FF2B5EF4-FFF2-40B4-BE49-F238E27FC236}">
+                <a16:creationId xmlns:a16="http://schemas.microsoft.com/office/drawing/2014/main" id="{3A5969B3-91E8-EF51-6262-7164B6E99666}"/>
               </a:ext>
             </a:extLst>
           </p:cNvPr>
@@ -4792,15 +4575,15 @@
         </p:blipFill>
         <p:spPr>
           <a:xfrm>
-            <a:off x="2559483" y="1690688"/>
-            <a:ext cx="7046530" cy="4577427"/>
+            <a:off x="1880147" y="1796750"/>
+            <a:ext cx="8431706" cy="4459672"/>
           </a:xfrm>
         </p:spPr>
       </p:pic>
     </p:spTree>
     <p:extLst>
       <p:ext uri="{BB962C8B-B14F-4D97-AF65-F5344CB8AC3E}">
-        <p14:creationId xmlns:p14="http://schemas.microsoft.com/office/powerpoint/2010/main" val="483573365"/>
+        <p14:creationId xmlns:p14="http://schemas.microsoft.com/office/powerpoint/2010/main" val="1229549952"/>
       </p:ext>
     </p:extLst>
   </p:cSld>
@@ -4843,18 +4626,19 @@
             <p:ph type="title"/>
           </p:nvPr>
         </p:nvSpPr>
-        <p:spPr/>
+        <p:spPr>
+          <a:xfrm>
+            <a:off x="231808" y="355500"/>
+            <a:ext cx="10515600" cy="1325563"/>
+          </a:xfrm>
+        </p:spPr>
         <p:txBody>
           <a:bodyPr/>
           <a:lstStyle/>
           <a:p>
             <a:r>
               <a:rPr lang="en-SG" b="1" dirty="0"/>
-              <a:t>                         </a:t>
-            </a:r>
-            <a:r>
-              <a:rPr lang="en-SG" b="1" u="sng" dirty="0"/>
-              <a:t>Transaction page</a:t>
+              <a:t>                         cart page</a:t>
             </a:r>
             <a:endParaRPr lang="en-SG" dirty="0"/>
           </a:p>
@@ -4862,19 +4646,17 @@
       </p:sp>
       <p:pic>
         <p:nvPicPr>
-          <p:cNvPr id="5" name="Content Placeholder 4">
-            <a:extLst>
-              <a:ext uri="{FF2B5EF4-FFF2-40B4-BE49-F238E27FC236}">
-                <a16:creationId xmlns:a16="http://schemas.microsoft.com/office/drawing/2014/main" id="{E0178A6E-FD44-8209-2FAD-0FC0879BCBB9}"/>
+          <p:cNvPr id="6" name="Picture 5">
+            <a:extLst>
+              <a:ext uri="{FF2B5EF4-FFF2-40B4-BE49-F238E27FC236}">
+                <a16:creationId xmlns:a16="http://schemas.microsoft.com/office/drawing/2014/main" id="{9A414A3E-3A22-F4F2-81AF-6F41A5DF689D}"/>
               </a:ext>
             </a:extLst>
           </p:cNvPr>
           <p:cNvPicPr>
-            <a:picLocks noGrp="1" noChangeAspect="1"/>
+            <a:picLocks noChangeAspect="1"/>
           </p:cNvPicPr>
-          <p:nvPr>
-            <p:ph idx="1"/>
-          </p:nvPr>
+          <p:nvPr/>
         </p:nvPicPr>
         <p:blipFill>
           <a:blip r:embed="rId2"/>
@@ -4884,15 +4666,18 @@
         </p:blipFill>
         <p:spPr>
           <a:xfrm>
-            <a:off x="2786312" y="1887679"/>
-            <a:ext cx="6473680" cy="4253239"/>
+            <a:off x="1294521" y="1423919"/>
+            <a:ext cx="9452887" cy="4997164"/>
           </a:xfrm>
+          <a:prstGeom prst="rect">
+            <a:avLst/>
+          </a:prstGeom>
         </p:spPr>
       </p:pic>
     </p:spTree>
     <p:extLst>
       <p:ext uri="{BB962C8B-B14F-4D97-AF65-F5344CB8AC3E}">
-        <p14:creationId xmlns:p14="http://schemas.microsoft.com/office/powerpoint/2010/main" val="1229549952"/>
+        <p14:creationId xmlns:p14="http://schemas.microsoft.com/office/powerpoint/2010/main" val="3979722416"/>
       </p:ext>
     </p:extLst>
   </p:cSld>
@@ -4924,7 +4709,7 @@
           <p:cNvPr id="2" name="Title 1">
             <a:extLst>
               <a:ext uri="{FF2B5EF4-FFF2-40B4-BE49-F238E27FC236}">
-                <a16:creationId xmlns:a16="http://schemas.microsoft.com/office/drawing/2014/main" id="{7EA39F1C-986E-035D-4BD2-F06C4F941797}"/>
+                <a16:creationId xmlns:a16="http://schemas.microsoft.com/office/drawing/2014/main" id="{29D910D2-DF24-C50D-CC04-A37B78181B44}"/>
               </a:ext>
             </a:extLst>
           </p:cNvPr>
@@ -4935,18 +4720,19 @@
             <p:ph type="title"/>
           </p:nvPr>
         </p:nvSpPr>
-        <p:spPr/>
+        <p:spPr>
+          <a:xfrm>
+            <a:off x="231808" y="355500"/>
+            <a:ext cx="10515600" cy="1325563"/>
+          </a:xfrm>
+        </p:spPr>
         <p:txBody>
           <a:bodyPr/>
           <a:lstStyle/>
           <a:p>
             <a:r>
               <a:rPr lang="en-SG" b="1" dirty="0"/>
-              <a:t>                           </a:t>
-            </a:r>
-            <a:r>
-              <a:rPr lang="en-SG" b="1" u="sng" dirty="0"/>
-              <a:t>Transaction page</a:t>
+              <a:t>                         cart page</a:t>
             </a:r>
             <a:endParaRPr lang="en-SG" dirty="0"/>
           </a:p>
@@ -4954,10 +4740,10 @@
       </p:sp>
       <p:pic>
         <p:nvPicPr>
-          <p:cNvPr id="18" name="Picture 17">
-            <a:extLst>
-              <a:ext uri="{FF2B5EF4-FFF2-40B4-BE49-F238E27FC236}">
-                <a16:creationId xmlns:a16="http://schemas.microsoft.com/office/drawing/2014/main" id="{F928CB80-A1B4-928C-109F-778565BF71FC}"/>
+          <p:cNvPr id="4" name="Picture 3">
+            <a:extLst>
+              <a:ext uri="{FF2B5EF4-FFF2-40B4-BE49-F238E27FC236}">
+                <a16:creationId xmlns:a16="http://schemas.microsoft.com/office/drawing/2014/main" id="{B84E7A83-4D95-39CD-A8D7-4B18FCE245E3}"/>
               </a:ext>
             </a:extLst>
           </p:cNvPr>
@@ -4974,38 +4760,8 @@
         </p:blipFill>
         <p:spPr>
           <a:xfrm>
-            <a:off x="6153670" y="1867298"/>
-            <a:ext cx="6038330" cy="3888608"/>
-          </a:xfrm>
-          <a:prstGeom prst="rect">
-            <a:avLst/>
-          </a:prstGeom>
-        </p:spPr>
-      </p:pic>
-      <p:pic>
-        <p:nvPicPr>
-          <p:cNvPr id="22" name="Picture 21">
-            <a:extLst>
-              <a:ext uri="{FF2B5EF4-FFF2-40B4-BE49-F238E27FC236}">
-                <a16:creationId xmlns:a16="http://schemas.microsoft.com/office/drawing/2014/main" id="{670478EA-4DA6-979D-ECCC-0D56669FEDAF}"/>
-              </a:ext>
-            </a:extLst>
-          </p:cNvPr>
-          <p:cNvPicPr>
-            <a:picLocks noChangeAspect="1"/>
-          </p:cNvPicPr>
-          <p:nvPr/>
-        </p:nvPicPr>
-        <p:blipFill>
-          <a:blip r:embed="rId3"/>
-          <a:stretch>
-            <a:fillRect/>
-          </a:stretch>
-        </p:blipFill>
-        <p:spPr>
-          <a:xfrm>
-            <a:off x="0" y="1867298"/>
-            <a:ext cx="6153670" cy="3973235"/>
+            <a:off x="1738285" y="1681063"/>
+            <a:ext cx="8771938" cy="4604234"/>
           </a:xfrm>
           <a:prstGeom prst="rect">
             <a:avLst/>
@@ -5015,7 +4771,7 @@
     </p:spTree>
     <p:extLst>
       <p:ext uri="{BB962C8B-B14F-4D97-AF65-F5344CB8AC3E}">
-        <p14:creationId xmlns:p14="http://schemas.microsoft.com/office/powerpoint/2010/main" val="3508153509"/>
+        <p14:creationId xmlns:p14="http://schemas.microsoft.com/office/powerpoint/2010/main" val="1671642789"/>
       </p:ext>
     </p:extLst>
   </p:cSld>

--- a/G369 GA.pptx
+++ b/G369 GA.pptx
@@ -3444,7 +3444,12 @@
             <p:ph type="title"/>
           </p:nvPr>
         </p:nvSpPr>
-        <p:spPr/>
+        <p:spPr>
+          <a:xfrm>
+            <a:off x="-95451" y="365125"/>
+            <a:ext cx="10515600" cy="1325563"/>
+          </a:xfrm>
+        </p:spPr>
         <p:txBody>
           <a:bodyPr/>
           <a:lstStyle/>
@@ -3455,12 +3460,42 @@
             </a:r>
             <a:r>
               <a:rPr lang="en-SG" b="1" u="sng" dirty="0"/>
-              <a:t>Transaction page</a:t>
+              <a:t>currency exchange page</a:t>
             </a:r>
             <a:endParaRPr lang="en-SG" dirty="0"/>
           </a:p>
         </p:txBody>
       </p:sp>
+      <p:pic>
+        <p:nvPicPr>
+          <p:cNvPr id="4" name="Picture 3">
+            <a:extLst>
+              <a:ext uri="{FF2B5EF4-FFF2-40B4-BE49-F238E27FC236}">
+                <a16:creationId xmlns:a16="http://schemas.microsoft.com/office/drawing/2014/main" id="{056216DF-D562-4BD2-9D15-E797912E22F7}"/>
+              </a:ext>
+            </a:extLst>
+          </p:cNvPr>
+          <p:cNvPicPr>
+            <a:picLocks noChangeAspect="1"/>
+          </p:cNvPicPr>
+          <p:nvPr/>
+        </p:nvPicPr>
+        <p:blipFill>
+          <a:blip r:embed="rId2"/>
+          <a:stretch>
+            <a:fillRect/>
+          </a:stretch>
+        </p:blipFill>
+        <p:spPr>
+          <a:xfrm>
+            <a:off x="1934678" y="1690688"/>
+            <a:ext cx="8653112" cy="4529363"/>
+          </a:xfrm>
+          <a:prstGeom prst="rect">
+            <a:avLst/>
+          </a:prstGeom>
+        </p:spPr>
+      </p:pic>
     </p:spTree>
     <p:extLst>
       <p:ext uri="{BB962C8B-B14F-4D97-AF65-F5344CB8AC3E}">
@@ -3518,12 +3553,42 @@
             </a:r>
             <a:r>
               <a:rPr lang="en-SG" b="1" u="sng" dirty="0"/>
-              <a:t>Transaction page</a:t>
+              <a:t>payment mode page</a:t>
             </a:r>
             <a:endParaRPr lang="en-SG" dirty="0"/>
           </a:p>
         </p:txBody>
       </p:sp>
+      <p:pic>
+        <p:nvPicPr>
+          <p:cNvPr id="4" name="Picture 3">
+            <a:extLst>
+              <a:ext uri="{FF2B5EF4-FFF2-40B4-BE49-F238E27FC236}">
+                <a16:creationId xmlns:a16="http://schemas.microsoft.com/office/drawing/2014/main" id="{04F9EDEB-D83A-85D8-8819-F3F3ABA35A59}"/>
+              </a:ext>
+            </a:extLst>
+          </p:cNvPr>
+          <p:cNvPicPr>
+            <a:picLocks noChangeAspect="1"/>
+          </p:cNvPicPr>
+          <p:nvPr/>
+        </p:nvPicPr>
+        <p:blipFill>
+          <a:blip r:embed="rId2"/>
+          <a:stretch>
+            <a:fillRect/>
+          </a:stretch>
+        </p:blipFill>
+        <p:spPr>
+          <a:xfrm>
+            <a:off x="1532880" y="1613396"/>
+            <a:ext cx="9305167" cy="4879479"/>
+          </a:xfrm>
+          <a:prstGeom prst="rect">
+            <a:avLst/>
+          </a:prstGeom>
+        </p:spPr>
+      </p:pic>
     </p:spTree>
     <p:extLst>
       <p:ext uri="{BB962C8B-B14F-4D97-AF65-F5344CB8AC3E}">
@@ -3587,34 +3652,35 @@
           </a:p>
         </p:txBody>
       </p:sp>
-      <p:sp>
-        <p:nvSpPr>
-          <p:cNvPr id="4" name="Content Placeholder 3">
-            <a:extLst>
-              <a:ext uri="{FF2B5EF4-FFF2-40B4-BE49-F238E27FC236}">
-                <a16:creationId xmlns:a16="http://schemas.microsoft.com/office/drawing/2014/main" id="{0962A834-FCF3-46F8-39E2-21C08E362F2E}"/>
-              </a:ext>
-            </a:extLst>
-          </p:cNvPr>
-          <p:cNvSpPr>
-            <a:spLocks noGrp="1"/>
-          </p:cNvSpPr>
+      <p:pic>
+        <p:nvPicPr>
+          <p:cNvPr id="5" name="Content Placeholder 4">
+            <a:extLst>
+              <a:ext uri="{FF2B5EF4-FFF2-40B4-BE49-F238E27FC236}">
+                <a16:creationId xmlns:a16="http://schemas.microsoft.com/office/drawing/2014/main" id="{375DEDA8-5BEA-941C-9FC2-C4D2AFCBDE61}"/>
+              </a:ext>
+            </a:extLst>
+          </p:cNvPr>
+          <p:cNvPicPr>
+            <a:picLocks noGrp="1" noChangeAspect="1"/>
+          </p:cNvPicPr>
           <p:nvPr>
             <p:ph idx="1"/>
           </p:nvPr>
-        </p:nvSpPr>
-        <p:spPr/>
-        <p:txBody>
-          <a:bodyPr/>
-          <a:lstStyle/>
-          <a:p>
-            <a:pPr marL="0" indent="0">
-              <a:buNone/>
-            </a:pPr>
-            <a:endParaRPr lang="en-SG" dirty="0"/>
-          </a:p>
-        </p:txBody>
-      </p:sp>
+        </p:nvPicPr>
+        <p:blipFill>
+          <a:blip r:embed="rId2"/>
+          <a:stretch>
+            <a:fillRect/>
+          </a:stretch>
+        </p:blipFill>
+        <p:spPr>
+          <a:xfrm>
+            <a:off x="1593583" y="1690688"/>
+            <a:ext cx="9004833" cy="4704298"/>
+          </a:xfrm>
+        </p:spPr>
+      </p:pic>
     </p:spTree>
     <p:extLst>
       <p:ext uri="{BB962C8B-B14F-4D97-AF65-F5344CB8AC3E}">
@@ -3677,7 +3743,7 @@
             </a:r>
             <a:r>
               <a:rPr lang="en-SG" b="1" u="sng" dirty="0"/>
-              <a:t>Transaction page</a:t>
+              <a:t>OTP page</a:t>
             </a:r>
             <a:endParaRPr lang="en-SG" dirty="0"/>
           </a:p>
@@ -4253,8 +4319,8 @@
         </p:nvSpPr>
         <p:spPr>
           <a:xfrm>
-            <a:off x="4312118" y="0"/>
-            <a:ext cx="2935705" cy="1325563"/>
+            <a:off x="2704700" y="69055"/>
+            <a:ext cx="5669280" cy="1325563"/>
           </a:xfrm>
         </p:spPr>
         <p:txBody>
@@ -4263,7 +4329,7 @@
           <a:p>
             <a:r>
               <a:rPr lang="en-SG" b="1" u="sng" dirty="0"/>
-              <a:t>Login page </a:t>
+              <a:t>Book Online Login page </a:t>
             </a:r>
           </a:p>
         </p:txBody>
@@ -4346,8 +4412,8 @@
         </p:nvSpPr>
         <p:spPr>
           <a:xfrm>
-            <a:off x="4557962" y="0"/>
-            <a:ext cx="3281413" cy="1325563"/>
+            <a:off x="2914248" y="0"/>
+            <a:ext cx="6568842" cy="1325563"/>
           </a:xfrm>
         </p:spPr>
         <p:txBody>
@@ -4356,7 +4422,7 @@
           <a:p>
             <a:r>
               <a:rPr lang="en-SG" b="1" u="sng" dirty="0"/>
-              <a:t>Register page </a:t>
+              <a:t>Book Online  Register page </a:t>
             </a:r>
           </a:p>
         </p:txBody>
